--- a/pmgmt/Pow060.Tools.pptx
+++ b/pmgmt/Pow060.Tools.pptx
@@ -5,13 +5,14 @@
     <p:sldMasterId id="2147483648" r:id="rId1"/>
   </p:sldMasterIdLst>
   <p:notesMasterIdLst>
-    <p:notesMasterId r:id="rId6"/>
+    <p:notesMasterId r:id="rId7"/>
   </p:notesMasterIdLst>
   <p:sldIdLst>
     <p:sldId id="256" r:id="rId2"/>
     <p:sldId id="257" r:id="rId3"/>
     <p:sldId id="258" r:id="rId4"/>
     <p:sldId id="259" r:id="rId5"/>
+    <p:sldId id="260" r:id="rId6"/>
   </p:sldIdLst>
   <p:sldSz cx="9144000" cy="6858000" type="screen4x3"/>
   <p:notesSz cx="6858000" cy="9144000"/>
@@ -236,7 +237,7 @@
             <a:fld id="{91AA33BB-5012-4FA9-BC94-2423B0F96BF0}" type="datetimeFigureOut">
               <a:rPr lang="en-US" smtClean="0"/>
               <a:pPr/>
-              <a:t>8/26/2013</a:t>
+              <a:t>8/29/2013</a:t>
             </a:fld>
             <a:endParaRPr lang="en-US"/>
           </a:p>
@@ -6574,6 +6575,191 @@
     <p:extLst>
       <p:ext uri="{BB962C8B-B14F-4D97-AF65-F5344CB8AC3E}">
         <p14:creationId xmlns:p14="http://schemas.microsoft.com/office/powerpoint/2010/main" val="2156974626"/>
+      </p:ext>
+    </p:extLst>
+  </p:cSld>
+  <p:clrMapOvr>
+    <a:masterClrMapping/>
+  </p:clrMapOvr>
+</p:sld>
+</file>
+
+<file path=ppt/slides/slide5.xml><?xml version="1.0" encoding="utf-8"?>
+<p:sld xmlns:a="http://schemas.openxmlformats.org/drawingml/2006/main" xmlns:r="http://schemas.openxmlformats.org/officeDocument/2006/relationships" xmlns:p="http://schemas.openxmlformats.org/presentationml/2006/main">
+  <p:cSld>
+    <p:spTree>
+      <p:nvGrpSpPr>
+        <p:cNvPr id="1" name=""/>
+        <p:cNvGrpSpPr/>
+        <p:nvPr/>
+      </p:nvGrpSpPr>
+      <p:grpSpPr>
+        <a:xfrm>
+          <a:off x="0" y="0"/>
+          <a:ext cx="0" cy="0"/>
+          <a:chOff x="0" y="0"/>
+          <a:chExt cx="0" cy="0"/>
+        </a:xfrm>
+      </p:grpSpPr>
+      <p:sp>
+        <p:nvSpPr>
+          <p:cNvPr id="2" name="Title 1"/>
+          <p:cNvSpPr>
+            <a:spLocks noGrp="1"/>
+          </p:cNvSpPr>
+          <p:nvPr>
+            <p:ph type="title"/>
+          </p:nvPr>
+        </p:nvSpPr>
+        <p:spPr/>
+        <p:txBody>
+          <a:bodyPr/>
+          <a:lstStyle/>
+          <a:p>
+            <a:r>
+              <a:rPr lang="en-US" dirty="0" err="1" smtClean="0"/>
+              <a:t>wdfkd</a:t>
+            </a:r>
+            <a:r>
+              <a:rPr lang="en-US" dirty="0" smtClean="0"/>
+              <a:t> extension</a:t>
+            </a:r>
+            <a:endParaRPr lang="he-IL" dirty="0"/>
+          </a:p>
+        </p:txBody>
+      </p:sp>
+      <p:sp>
+        <p:nvSpPr>
+          <p:cNvPr id="3" name="Content Placeholder 2"/>
+          <p:cNvSpPr>
+            <a:spLocks noGrp="1"/>
+          </p:cNvSpPr>
+          <p:nvPr>
+            <p:ph idx="1"/>
+          </p:nvPr>
+        </p:nvSpPr>
+        <p:spPr/>
+        <p:txBody>
+          <a:bodyPr/>
+          <a:lstStyle/>
+          <a:p>
+            <a:r>
+              <a:rPr lang="en-US" dirty="0" smtClean="0"/>
+              <a:t>!load </a:t>
+            </a:r>
+            <a:r>
+              <a:rPr lang="en-US" dirty="0" err="1" smtClean="0"/>
+              <a:t>wdfkd</a:t>
+            </a:r>
+            <a:endParaRPr lang="en-US" dirty="0" smtClean="0"/>
+          </a:p>
+          <a:p>
+            <a:r>
+              <a:rPr lang="en-US" dirty="0" smtClean="0"/>
+              <a:t>!</a:t>
+            </a:r>
+            <a:r>
+              <a:rPr lang="en-US" dirty="0" err="1" smtClean="0"/>
+              <a:t>wdfdevice</a:t>
+            </a:r>
+            <a:endParaRPr lang="en-US" dirty="0" smtClean="0"/>
+          </a:p>
+          <a:p>
+            <a:r>
+              <a:rPr lang="en-US" dirty="0" smtClean="0"/>
+              <a:t>!</a:t>
+            </a:r>
+            <a:r>
+              <a:rPr lang="en-US" dirty="0" err="1" smtClean="0"/>
+              <a:t>wdfhandle</a:t>
+            </a:r>
+            <a:r>
+              <a:rPr lang="en-US" dirty="0" smtClean="0"/>
+              <a:t> xxx f</a:t>
+            </a:r>
+          </a:p>
+          <a:p>
+            <a:r>
+              <a:rPr lang="en-US" dirty="0" smtClean="0"/>
+              <a:t>!</a:t>
+            </a:r>
+            <a:r>
+              <a:rPr lang="en-US" dirty="0" err="1" smtClean="0"/>
+              <a:t>wdfqueue</a:t>
+            </a:r>
+            <a:endParaRPr lang="en-US" dirty="0" smtClean="0"/>
+          </a:p>
+          <a:p>
+            <a:r>
+              <a:rPr lang="en-US" dirty="0" smtClean="0"/>
+              <a:t>!device </a:t>
+            </a:r>
+            <a:r>
+              <a:rPr lang="en-US" dirty="0" err="1" smtClean="0"/>
+              <a:t>nt</a:t>
+            </a:r>
+            <a:r>
+              <a:rPr lang="en-US" smtClean="0"/>
+              <a:t>!_DEVICE_OBJECT</a:t>
+            </a:r>
+            <a:endParaRPr lang="en-US" dirty="0" smtClean="0"/>
+          </a:p>
+          <a:p>
+            <a:endParaRPr lang="he-IL" dirty="0"/>
+          </a:p>
+        </p:txBody>
+      </p:sp>
+      <p:sp>
+        <p:nvSpPr>
+          <p:cNvPr id="4" name="Footer Placeholder 3"/>
+          <p:cNvSpPr>
+            <a:spLocks noGrp="1"/>
+          </p:cNvSpPr>
+          <p:nvPr>
+            <p:ph type="ftr" sz="quarter" idx="11"/>
+          </p:nvPr>
+        </p:nvSpPr>
+        <p:spPr/>
+        <p:txBody>
+          <a:bodyPr/>
+          <a:lstStyle/>
+          <a:p>
+            <a:r>
+              <a:rPr lang="en-US" smtClean="0"/>
+              <a:t>© Copyright SELA software &amp; Education Labs Ltd. 14-18 Baruch Hirsch St.Bnei Brak 51202 Israel</a:t>
+            </a:r>
+            <a:endParaRPr lang="en-US" sz="900" dirty="0"/>
+          </a:p>
+        </p:txBody>
+      </p:sp>
+      <p:sp>
+        <p:nvSpPr>
+          <p:cNvPr id="5" name="Slide Number Placeholder 4"/>
+          <p:cNvSpPr>
+            <a:spLocks noGrp="1"/>
+          </p:cNvSpPr>
+          <p:nvPr>
+            <p:ph type="sldNum" sz="quarter" idx="12"/>
+          </p:nvPr>
+        </p:nvSpPr>
+        <p:spPr/>
+        <p:txBody>
+          <a:bodyPr/>
+          <a:lstStyle/>
+          <a:p>
+            <a:fld id="{A8794525-BC30-4BC1-AEF1-2AC4F0B18175}" type="slidenum">
+              <a:rPr lang="en-US" smtClean="0"/>
+              <a:pPr/>
+              <a:t>5</a:t>
+            </a:fld>
+            <a:endParaRPr lang="en-US"/>
+          </a:p>
+        </p:txBody>
+      </p:sp>
+    </p:spTree>
+    <p:extLst>
+      <p:ext uri="{BB962C8B-B14F-4D97-AF65-F5344CB8AC3E}">
+        <p14:creationId xmlns:p14="http://schemas.microsoft.com/office/powerpoint/2010/main" val="558580027"/>
       </p:ext>
     </p:extLst>
   </p:cSld>
